--- a/도서쇼핑몰 보고서/도서쇼핑몰_보고서(2조)_최종.pptx
+++ b/도서쇼핑몰 보고서/도서쇼핑몰_보고서(2조)_최종.pptx
@@ -7830,18 +7830,7 @@
                   </a:schemeClr>
                 </a:solidFill>
               </a:rPr>
-              <a:t> </a:t>
-            </a:r>
-            <a:r>
-              <a:rPr lang="ko-KR" altLang="en-US" sz="3500" dirty="0" smtClean="0">
-                <a:solidFill>
-                  <a:schemeClr val="tx1">
-                    <a:lumMod val="65000"/>
-                    <a:lumOff val="35000"/>
-                  </a:schemeClr>
-                </a:solidFill>
-              </a:rPr>
-              <a:t>구현 </a:t>
+              <a:t> 구현 </a:t>
             </a:r>
             <a:r>
               <a:rPr lang="en-US" altLang="ko-KR" sz="3500" dirty="0" smtClean="0">
@@ -8279,18 +8268,7 @@
                   </a:schemeClr>
                 </a:solidFill>
               </a:rPr>
-              <a:t> </a:t>
-            </a:r>
-            <a:r>
-              <a:rPr lang="ko-KR" altLang="en-US" sz="3500" dirty="0" smtClean="0">
-                <a:solidFill>
-                  <a:schemeClr val="tx1">
-                    <a:lumMod val="65000"/>
-                    <a:lumOff val="35000"/>
-                  </a:schemeClr>
-                </a:solidFill>
-              </a:rPr>
-              <a:t>구현 </a:t>
+              <a:t> 구현 </a:t>
             </a:r>
             <a:r>
               <a:rPr lang="en-US" altLang="ko-KR" sz="3500" dirty="0" smtClean="0">
@@ -8615,20 +8593,31 @@
                   </a:schemeClr>
                 </a:solidFill>
               </a:rPr>
+              <a:t> 구현 </a:t>
+            </a:r>
+            <a:r>
+              <a:rPr lang="en-US" altLang="ko-KR" sz="3500" dirty="0">
+                <a:solidFill>
+                  <a:schemeClr val="tx1">
+                    <a:lumMod val="65000"/>
+                    <a:lumOff val="35000"/>
+                  </a:schemeClr>
+                </a:solidFill>
+              </a:rPr>
+              <a:t>-</a:t>
+            </a:r>
+            <a:r>
+              <a:rPr lang="en-US" altLang="ko-KR" sz="3500" dirty="0" smtClean="0">
+                <a:solidFill>
+                  <a:schemeClr val="tx1">
+                    <a:lumMod val="65000"/>
+                    <a:lumOff val="35000"/>
+                  </a:schemeClr>
+                </a:solidFill>
+              </a:rPr>
               <a:t> </a:t>
             </a:r>
             <a:r>
-              <a:rPr lang="ko-KR" altLang="en-US" sz="3500" dirty="0" smtClean="0">
-                <a:solidFill>
-                  <a:schemeClr val="tx1">
-                    <a:lumMod val="65000"/>
-                    <a:lumOff val="35000"/>
-                  </a:schemeClr>
-                </a:solidFill>
-              </a:rPr>
-              <a:t>구현 </a:t>
-            </a:r>
-            <a:r>
               <a:rPr lang="en-US" altLang="ko-KR" sz="3500" dirty="0" smtClean="0">
                 <a:solidFill>
                   <a:schemeClr val="tx1">
@@ -8637,7 +8626,7 @@
                   </a:schemeClr>
                 </a:solidFill>
               </a:rPr>
-              <a:t>– 3</a:t>
+              <a:t>3</a:t>
             </a:r>
             <a:r>
               <a:rPr lang="ko-KR" altLang="en-US" sz="3500" dirty="0" smtClean="0">
@@ -9085,18 +9074,7 @@
                   </a:schemeClr>
                 </a:solidFill>
               </a:rPr>
-              <a:t> </a:t>
-            </a:r>
-            <a:r>
-              <a:rPr lang="ko-KR" altLang="en-US" sz="3500" dirty="0" smtClean="0">
-                <a:solidFill>
-                  <a:schemeClr val="tx1">
-                    <a:lumMod val="65000"/>
-                    <a:lumOff val="35000"/>
-                  </a:schemeClr>
-                </a:solidFill>
-              </a:rPr>
-              <a:t>구현 </a:t>
+              <a:t> 구현 </a:t>
             </a:r>
             <a:r>
               <a:rPr lang="en-US" altLang="ko-KR" sz="3500" dirty="0" smtClean="0">
@@ -11072,7 +11050,7 @@
           <a:lstStyle/>
           <a:p>
             <a:r>
-              <a:rPr lang="en-US" altLang="ko-KR" sz="3500" b="1">
+              <a:rPr lang="en-US" altLang="ko-KR" sz="3500" b="1" dirty="0">
                 <a:solidFill>
                   <a:schemeClr val="tx1">
                     <a:lumMod val="65000"/>
@@ -11083,7 +11061,7 @@
               <a:t>02. </a:t>
             </a:r>
             <a:r>
-              <a:rPr lang="ko-KR" altLang="en-US" sz="3500">
+              <a:rPr lang="ko-KR" altLang="en-US" sz="3500" dirty="0">
                 <a:solidFill>
                   <a:schemeClr val="tx1">
                     <a:lumMod val="65000"/>
@@ -11094,15 +11072,37 @@
               <a:t>기능 정의서 </a:t>
             </a:r>
             <a:r>
-              <a:rPr lang="en-US" altLang="ko-KR" sz="3500">
-                <a:solidFill>
-                  <a:schemeClr val="tx1">
-                    <a:lumMod val="65000"/>
-                    <a:lumOff val="35000"/>
-                  </a:schemeClr>
-                </a:solidFill>
-              </a:rPr>
-              <a:t>– 2</a:t>
+              <a:rPr lang="en-US" altLang="ko-KR" sz="3500" dirty="0">
+                <a:solidFill>
+                  <a:schemeClr val="tx1">
+                    <a:lumMod val="65000"/>
+                    <a:lumOff val="35000"/>
+                  </a:schemeClr>
+                </a:solidFill>
+              </a:rPr>
+              <a:t>-</a:t>
+            </a:r>
+            <a:r>
+              <a:rPr lang="en-US" altLang="ko-KR" sz="3500" dirty="0" smtClean="0">
+                <a:solidFill>
+                  <a:schemeClr val="tx1">
+                    <a:lumMod val="65000"/>
+                    <a:lumOff val="35000"/>
+                  </a:schemeClr>
+                </a:solidFill>
+              </a:rPr>
+              <a:t> </a:t>
+            </a:r>
+            <a:r>
+              <a:rPr lang="en-US" altLang="ko-KR" sz="3500" dirty="0">
+                <a:solidFill>
+                  <a:schemeClr val="tx1">
+                    <a:lumMod val="65000"/>
+                    <a:lumOff val="35000"/>
+                  </a:schemeClr>
+                </a:solidFill>
+              </a:rPr>
+              <a:t>2</a:t>
             </a:r>
           </a:p>
         </p:txBody>
@@ -11426,7 +11426,7 @@
           <a:lstStyle/>
           <a:p>
             <a:r>
-              <a:rPr lang="en-US" altLang="ko-KR" sz="3500" b="1">
+              <a:rPr lang="en-US" altLang="ko-KR" sz="3500" b="1" dirty="0">
                 <a:solidFill>
                   <a:schemeClr val="tx1">
                     <a:lumMod val="65000"/>
@@ -11437,7 +11437,7 @@
               <a:t>02. </a:t>
             </a:r>
             <a:r>
-              <a:rPr lang="ko-KR" altLang="en-US" sz="3500">
+              <a:rPr lang="ko-KR" altLang="en-US" sz="3500" dirty="0">
                 <a:solidFill>
                   <a:schemeClr val="tx1">
                     <a:lumMod val="65000"/>
@@ -11448,15 +11448,37 @@
               <a:t>기능 정의서 </a:t>
             </a:r>
             <a:r>
-              <a:rPr lang="en-US" altLang="ko-KR" sz="3500">
-                <a:solidFill>
-                  <a:schemeClr val="tx1">
-                    <a:lumMod val="65000"/>
-                    <a:lumOff val="35000"/>
-                  </a:schemeClr>
-                </a:solidFill>
-              </a:rPr>
-              <a:t>– 4</a:t>
+              <a:rPr lang="en-US" altLang="ko-KR" sz="3500" dirty="0">
+                <a:solidFill>
+                  <a:schemeClr val="tx1">
+                    <a:lumMod val="65000"/>
+                    <a:lumOff val="35000"/>
+                  </a:schemeClr>
+                </a:solidFill>
+              </a:rPr>
+              <a:t>-</a:t>
+            </a:r>
+            <a:r>
+              <a:rPr lang="en-US" altLang="ko-KR" sz="3500" dirty="0" smtClean="0">
+                <a:solidFill>
+                  <a:schemeClr val="tx1">
+                    <a:lumMod val="65000"/>
+                    <a:lumOff val="35000"/>
+                  </a:schemeClr>
+                </a:solidFill>
+              </a:rPr>
+              <a:t> </a:t>
+            </a:r>
+            <a:r>
+              <a:rPr lang="en-US" altLang="ko-KR" sz="3500" dirty="0">
+                <a:solidFill>
+                  <a:schemeClr val="tx1">
+                    <a:lumMod val="65000"/>
+                    <a:lumOff val="35000"/>
+                  </a:schemeClr>
+                </a:solidFill>
+              </a:rPr>
+              <a:t>4</a:t>
             </a:r>
           </a:p>
         </p:txBody>
@@ -11599,7 +11621,7 @@
           <a:lstStyle/>
           <a:p>
             <a:r>
-              <a:rPr lang="en-US" altLang="ko-KR" sz="3500" b="1">
+              <a:rPr lang="en-US" altLang="ko-KR" sz="3500" b="1" dirty="0">
                 <a:solidFill>
                   <a:schemeClr val="tx1">
                     <a:lumMod val="65000"/>
@@ -11610,7 +11632,7 @@
               <a:t>02. </a:t>
             </a:r>
             <a:r>
-              <a:rPr lang="ko-KR" altLang="en-US" sz="3500">
+              <a:rPr lang="ko-KR" altLang="en-US" sz="3500" dirty="0">
                 <a:solidFill>
                   <a:schemeClr val="tx1">
                     <a:lumMod val="65000"/>
@@ -11621,15 +11643,37 @@
               <a:t>기능 정의서 </a:t>
             </a:r>
             <a:r>
-              <a:rPr lang="en-US" altLang="ko-KR" sz="3500">
-                <a:solidFill>
-                  <a:schemeClr val="tx1">
-                    <a:lumMod val="65000"/>
-                    <a:lumOff val="35000"/>
-                  </a:schemeClr>
-                </a:solidFill>
-              </a:rPr>
-              <a:t>– 5</a:t>
+              <a:rPr lang="en-US" altLang="ko-KR" sz="3500" dirty="0">
+                <a:solidFill>
+                  <a:schemeClr val="tx1">
+                    <a:lumMod val="65000"/>
+                    <a:lumOff val="35000"/>
+                  </a:schemeClr>
+                </a:solidFill>
+              </a:rPr>
+              <a:t>-</a:t>
+            </a:r>
+            <a:r>
+              <a:rPr lang="en-US" altLang="ko-KR" sz="3500" dirty="0" smtClean="0">
+                <a:solidFill>
+                  <a:schemeClr val="tx1">
+                    <a:lumMod val="65000"/>
+                    <a:lumOff val="35000"/>
+                  </a:schemeClr>
+                </a:solidFill>
+              </a:rPr>
+              <a:t> </a:t>
+            </a:r>
+            <a:r>
+              <a:rPr lang="en-US" altLang="ko-KR" sz="3500" dirty="0">
+                <a:solidFill>
+                  <a:schemeClr val="tx1">
+                    <a:lumMod val="65000"/>
+                    <a:lumOff val="35000"/>
+                  </a:schemeClr>
+                </a:solidFill>
+              </a:rPr>
+              <a:t>5</a:t>
             </a:r>
           </a:p>
         </p:txBody>
